--- a/docs/dancing star.pptx
+++ b/docs/dancing star.pptx
@@ -5263,12 +5263,99 @@
           <a:chExt cx="0" cy="0"/>
         </a:xfrm>
       </p:grpSpPr>
+      <p:sp>
+        <p:nvSpPr>
+          <p:cNvPr id="8" name="Google Shape;118;p15">
+            <a:extLst>
+              <a:ext uri="{FF2B5EF4-FFF2-40B4-BE49-F238E27FC236}">
+                <a16:creationId xmlns:a16="http://schemas.microsoft.com/office/drawing/2014/main" id="{D6AC652A-8CFD-5146-BDF2-414AAE0B3FAD}"/>
+              </a:ext>
+            </a:extLst>
+          </p:cNvPr>
+          <p:cNvSpPr txBox="1"/>
+          <p:nvPr/>
+        </p:nvSpPr>
+        <p:spPr>
+          <a:xfrm>
+            <a:off x="560499" y="722449"/>
+            <a:ext cx="7069942" cy="1094475"/>
+          </a:xfrm>
+          <a:prstGeom prst="rect">
+            <a:avLst/>
+          </a:prstGeom>
+          <a:noFill/>
+          <a:ln>
+            <a:noFill/>
+          </a:ln>
+        </p:spPr>
+        <p:txBody>
+          <a:bodyPr spcFirstLastPara="1" wrap="square" lIns="91425" tIns="91425" rIns="91425" bIns="91425" anchor="t" anchorCtr="0">
+            <a:noAutofit/>
+          </a:bodyPr>
+          <a:lstStyle/>
+          <a:p>
+            <a:pPr marL="0" lvl="0" indent="0" algn="l" rtl="0">
+              <a:spcBef>
+                <a:spcPts val="0"/>
+              </a:spcBef>
+              <a:spcAft>
+                <a:spcPts val="0"/>
+              </a:spcAft>
+              <a:buNone/>
+            </a:pPr>
+            <a:r>
+              <a:rPr lang="en-US" sz="3600" b="1" dirty="0">
+                <a:solidFill>
+                  <a:srgbClr val="DE743C"/>
+                </a:solidFill>
+                <a:latin typeface="NanumSquare ExtraBold" panose="020B0600000101010101" pitchFamily="34" charset="-127"/>
+                <a:ea typeface="NanumSquare ExtraBold" panose="020B0600000101010101" pitchFamily="34" charset="-127"/>
+                <a:cs typeface="Malgun Gothic"/>
+                <a:sym typeface="Malgun Gothic"/>
+              </a:rPr>
+              <a:t>POSE ESTIMATION </a:t>
+            </a:r>
+          </a:p>
+          <a:p>
+            <a:pPr marL="0" lvl="0" indent="0" algn="l" rtl="0">
+              <a:spcBef>
+                <a:spcPts val="0"/>
+              </a:spcBef>
+              <a:spcAft>
+                <a:spcPts val="0"/>
+              </a:spcAft>
+              <a:buNone/>
+            </a:pPr>
+            <a:r>
+              <a:rPr lang="en-US" sz="3600" b="1" dirty="0">
+                <a:solidFill>
+                  <a:srgbClr val="DE743C"/>
+                </a:solidFill>
+                <a:latin typeface="NanumSquare ExtraBold" panose="020B0600000101010101" pitchFamily="34" charset="-127"/>
+                <a:ea typeface="NanumSquare ExtraBold" panose="020B0600000101010101" pitchFamily="34" charset="-127"/>
+                <a:cs typeface="Malgun Gothic"/>
+                <a:sym typeface="Malgun Gothic"/>
+              </a:rPr>
+              <a:t>&amp; CLOVA FACE RECOGNITION</a:t>
+            </a:r>
+            <a:endParaRPr sz="3600" b="1" dirty="0">
+              <a:solidFill>
+                <a:srgbClr val="DE743C"/>
+              </a:solidFill>
+              <a:latin typeface="NanumSquare ExtraBold" panose="020B0600000101010101" pitchFamily="34" charset="-127"/>
+              <a:ea typeface="NanumSquare ExtraBold" panose="020B0600000101010101" pitchFamily="34" charset="-127"/>
+              <a:cs typeface="Malgun Gothic"/>
+              <a:sym typeface="Malgun Gothic"/>
+            </a:endParaRPr>
+          </a:p>
+        </p:txBody>
+      </p:sp>
       <p:pic>
         <p:nvPicPr>
-          <p:cNvPr id="7" name="Picture 6">
-            <a:extLst>
-              <a:ext uri="{FF2B5EF4-FFF2-40B4-BE49-F238E27FC236}">
-                <a16:creationId xmlns:a16="http://schemas.microsoft.com/office/drawing/2014/main" id="{FCA9652E-B64F-7C49-BACE-0AA23CFFFF45}"/>
+          <p:cNvPr id="3" name="그림 2">
+            <a:extLst>
+              <a:ext uri="{FF2B5EF4-FFF2-40B4-BE49-F238E27FC236}">
+                <a16:creationId xmlns:a16="http://schemas.microsoft.com/office/drawing/2014/main" id="{7C51C3B6-F1EE-42D0-B833-044729D0F773}"/>
               </a:ext>
             </a:extLst>
           </p:cNvPr>
@@ -5285,8 +5372,8 @@
         </p:blipFill>
         <p:spPr>
           <a:xfrm>
-            <a:off x="5281996" y="2309077"/>
-            <a:ext cx="6349505" cy="1465270"/>
+            <a:off x="5381070" y="5041076"/>
+            <a:ext cx="6349506" cy="964682"/>
           </a:xfrm>
           <a:prstGeom prst="rect">
             <a:avLst/>
@@ -5295,10 +5382,10 @@
       </p:pic>
       <p:pic>
         <p:nvPicPr>
-          <p:cNvPr id="5" name="Picture 4">
-            <a:extLst>
-              <a:ext uri="{FF2B5EF4-FFF2-40B4-BE49-F238E27FC236}">
-                <a16:creationId xmlns:a16="http://schemas.microsoft.com/office/drawing/2014/main" id="{08105599-D483-DB4D-BD56-59EBE699F691}"/>
+          <p:cNvPr id="2" name="그림 1">
+            <a:extLst>
+              <a:ext uri="{FF2B5EF4-FFF2-40B4-BE49-F238E27FC236}">
+                <a16:creationId xmlns:a16="http://schemas.microsoft.com/office/drawing/2014/main" id="{484415F6-ED15-46B0-9C4D-596D2603C1B8}"/>
               </a:ext>
             </a:extLst>
           </p:cNvPr>
@@ -5315,107 +5402,20 @@
         </p:blipFill>
         <p:spPr>
           <a:xfrm>
-            <a:off x="679252" y="2309077"/>
-            <a:ext cx="4250738" cy="3679055"/>
+            <a:off x="362366" y="2137040"/>
+            <a:ext cx="4768928" cy="4154335"/>
           </a:xfrm>
           <a:prstGeom prst="rect">
             <a:avLst/>
           </a:prstGeom>
         </p:spPr>
       </p:pic>
-      <p:sp>
-        <p:nvSpPr>
-          <p:cNvPr id="8" name="Google Shape;118;p15">
-            <a:extLst>
-              <a:ext uri="{FF2B5EF4-FFF2-40B4-BE49-F238E27FC236}">
-                <a16:creationId xmlns:a16="http://schemas.microsoft.com/office/drawing/2014/main" id="{D6AC652A-8CFD-5146-BDF2-414AAE0B3FAD}"/>
-              </a:ext>
-            </a:extLst>
-          </p:cNvPr>
-          <p:cNvSpPr txBox="1"/>
-          <p:nvPr/>
-        </p:nvSpPr>
-        <p:spPr>
-          <a:xfrm>
-            <a:off x="560499" y="722449"/>
-            <a:ext cx="7069942" cy="1094475"/>
-          </a:xfrm>
-          <a:prstGeom prst="rect">
-            <a:avLst/>
-          </a:prstGeom>
-          <a:noFill/>
-          <a:ln>
-            <a:noFill/>
-          </a:ln>
-        </p:spPr>
-        <p:txBody>
-          <a:bodyPr spcFirstLastPara="1" wrap="square" lIns="91425" tIns="91425" rIns="91425" bIns="91425" anchor="t" anchorCtr="0">
-            <a:noAutofit/>
-          </a:bodyPr>
-          <a:lstStyle/>
-          <a:p>
-            <a:pPr marL="0" lvl="0" indent="0" algn="l" rtl="0">
-              <a:spcBef>
-                <a:spcPts val="0"/>
-              </a:spcBef>
-              <a:spcAft>
-                <a:spcPts val="0"/>
-              </a:spcAft>
-              <a:buNone/>
-            </a:pPr>
-            <a:r>
-              <a:rPr lang="en-US" sz="3600" b="1" dirty="0">
-                <a:solidFill>
-                  <a:srgbClr val="DE743C"/>
-                </a:solidFill>
-                <a:latin typeface="NanumSquare ExtraBold" panose="020B0600000101010101" pitchFamily="34" charset="-127"/>
-                <a:ea typeface="NanumSquare ExtraBold" panose="020B0600000101010101" pitchFamily="34" charset="-127"/>
-                <a:cs typeface="Malgun Gothic"/>
-                <a:sym typeface="Malgun Gothic"/>
-              </a:rPr>
-              <a:t>POSE ESTIMATION </a:t>
-            </a:r>
-          </a:p>
-          <a:p>
-            <a:pPr marL="0" lvl="0" indent="0" algn="l" rtl="0">
-              <a:spcBef>
-                <a:spcPts val="0"/>
-              </a:spcBef>
-              <a:spcAft>
-                <a:spcPts val="0"/>
-              </a:spcAft>
-              <a:buNone/>
-            </a:pPr>
-            <a:r>
-              <a:rPr lang="en-US" sz="3600" b="1" dirty="0">
-                <a:solidFill>
-                  <a:srgbClr val="DE743C"/>
-                </a:solidFill>
-                <a:latin typeface="NanumSquare ExtraBold" panose="020B0600000101010101" pitchFamily="34" charset="-127"/>
-                <a:ea typeface="NanumSquare ExtraBold" panose="020B0600000101010101" pitchFamily="34" charset="-127"/>
-                <a:cs typeface="Malgun Gothic"/>
-                <a:sym typeface="Malgun Gothic"/>
-              </a:rPr>
-              <a:t>&amp; CLOVA FACE RECOGNITION</a:t>
-            </a:r>
-            <a:endParaRPr sz="3600" b="1" dirty="0">
-              <a:solidFill>
-                <a:srgbClr val="DE743C"/>
-              </a:solidFill>
-              <a:latin typeface="NanumSquare ExtraBold" panose="020B0600000101010101" pitchFamily="34" charset="-127"/>
-              <a:ea typeface="NanumSquare ExtraBold" panose="020B0600000101010101" pitchFamily="34" charset="-127"/>
-              <a:cs typeface="Malgun Gothic"/>
-              <a:sym typeface="Malgun Gothic"/>
-            </a:endParaRPr>
-          </a:p>
-        </p:txBody>
-      </p:sp>
       <p:pic>
         <p:nvPicPr>
-          <p:cNvPr id="3" name="그림 2">
-            <a:extLst>
-              <a:ext uri="{FF2B5EF4-FFF2-40B4-BE49-F238E27FC236}">
-                <a16:creationId xmlns:a16="http://schemas.microsoft.com/office/drawing/2014/main" id="{7C51C3B6-F1EE-42D0-B833-044729D0F773}"/>
+          <p:cNvPr id="4" name="그림 3">
+            <a:extLst>
+              <a:ext uri="{FF2B5EF4-FFF2-40B4-BE49-F238E27FC236}">
+                <a16:creationId xmlns:a16="http://schemas.microsoft.com/office/drawing/2014/main" id="{881AC52C-C95C-422B-8860-EF571A858458}"/>
               </a:ext>
             </a:extLst>
           </p:cNvPr>
@@ -5432,8 +5432,8 @@
         </p:blipFill>
         <p:spPr>
           <a:xfrm>
-            <a:off x="5201392" y="4148604"/>
-            <a:ext cx="6349506" cy="964682"/>
+            <a:off x="5381070" y="2137041"/>
+            <a:ext cx="5921392" cy="2675592"/>
           </a:xfrm>
           <a:prstGeom prst="rect">
             <a:avLst/>
@@ -6025,7 +6025,7 @@
         </p:nvSpPr>
         <p:spPr>
           <a:xfrm>
-            <a:off x="1056625" y="1818755"/>
+            <a:off x="1056625" y="1605691"/>
             <a:ext cx="9367272" cy="1662858"/>
           </a:xfrm>
           <a:prstGeom prst="rect">
@@ -6384,7 +6384,7 @@
         </p:nvSpPr>
         <p:spPr>
           <a:xfrm>
-            <a:off x="1056625" y="3728870"/>
+            <a:off x="1056625" y="4021833"/>
             <a:ext cx="9367272" cy="1662858"/>
           </a:xfrm>
           <a:prstGeom prst="rect">
@@ -6624,19 +6624,7 @@
                 <a:cs typeface="Malgun Gothic"/>
                 <a:sym typeface="Malgun Gothic"/>
               </a:rPr>
-              <a:t>서비스 </a:t>
-            </a:r>
-            <a:r>
-              <a:rPr lang="ko-KR" dirty="0" err="1">
-                <a:solidFill>
-                  <a:schemeClr val="bg1"/>
-                </a:solidFill>
-                <a:latin typeface="Malgun Gothic"/>
-                <a:ea typeface="Malgun Gothic"/>
-                <a:cs typeface="Malgun Gothic"/>
-                <a:sym typeface="Malgun Gothic"/>
-              </a:rPr>
-              <a:t>확장가능성</a:t>
+              <a:t>서비스 확장가능성</a:t>
             </a:r>
             <a:endParaRPr lang="en-US" dirty="0">
               <a:solidFill>
